--- a/images/moon22neurips_dark.pptx
+++ b/images/moon22neurips_dark.pptx
@@ -5,7 +5,7 @@
     <p:sldMasterId id="2147483659" r:id="rId1"/>
   </p:sldMasterIdLst>
   <p:notesMasterIdLst>
-    <p:notesMasterId r:id="rId18"/>
+    <p:notesMasterId r:id="rId17"/>
   </p:notesMasterIdLst>
   <p:sldIdLst>
     <p:sldId id="354" r:id="rId2"/>
@@ -23,17 +23,16 @@
     <p:sldId id="366" r:id="rId14"/>
     <p:sldId id="367" r:id="rId15"/>
     <p:sldId id="368" r:id="rId16"/>
-    <p:sldId id="341" r:id="rId17"/>
   </p:sldIdLst>
   <p:sldSz cx="6480175" cy="4319588"/>
   <p:notesSz cx="6858000" cy="9144000"/>
   <p:embeddedFontLst>
     <p:embeddedFont>
       <p:font typeface="Calibri" panose="020F0502020204030204" pitchFamily="34" charset="0"/>
-      <p:regular r:id="rId19"/>
-      <p:bold r:id="rId20"/>
-      <p:italic r:id="rId21"/>
-      <p:boldItalic r:id="rId22"/>
+      <p:regular r:id="rId18"/>
+      <p:bold r:id="rId19"/>
+      <p:italic r:id="rId20"/>
+      <p:boldItalic r:id="rId21"/>
     </p:embeddedFont>
   </p:embeddedFontLst>
   <p:defaultTextStyle>
@@ -1482,115 +1481,6 @@
     <p:extLst>
       <p:ext uri="{BB962C8B-B14F-4D97-AF65-F5344CB8AC3E}">
         <p14:creationId xmlns:p14="http://schemas.microsoft.com/office/powerpoint/2010/main" val="2312503714"/>
-      </p:ext>
-    </p:extLst>
-  </p:cSld>
-  <p:clrMapOvr>
-    <a:masterClrMapping/>
-  </p:clrMapOvr>
-</p:notes>
-</file>
-
-<file path=ppt/notesSlides/notesSlide16.xml><?xml version="1.0" encoding="utf-8"?>
-<p:notes xmlns:a="http://schemas.openxmlformats.org/drawingml/2006/main" xmlns:r="http://schemas.openxmlformats.org/officeDocument/2006/relationships" xmlns:p="http://schemas.openxmlformats.org/presentationml/2006/main" showMasterSp="0" showMasterPhAnim="0">
-  <p:cSld>
-    <p:spTree>
-      <p:nvGrpSpPr>
-        <p:cNvPr id="1" name="Shape 78"/>
-        <p:cNvGrpSpPr/>
-        <p:nvPr/>
-      </p:nvGrpSpPr>
-      <p:grpSpPr>
-        <a:xfrm>
-          <a:off x="0" y="0"/>
-          <a:ext cx="0" cy="0"/>
-          <a:chOff x="0" y="0"/>
-          <a:chExt cx="0" cy="0"/>
-        </a:xfrm>
-      </p:grpSpPr>
-      <p:sp>
-        <p:nvSpPr>
-          <p:cNvPr id="79" name="Google Shape;79;g24d42045cc7_0_23:notes"/>
-          <p:cNvSpPr>
-            <a:spLocks noGrp="1" noRot="1" noChangeAspect="1"/>
-          </p:cNvSpPr>
-          <p:nvPr>
-            <p:ph type="sldImg" idx="2"/>
-          </p:nvPr>
-        </p:nvSpPr>
-        <p:spPr>
-          <a:xfrm>
-            <a:off x="857250" y="685800"/>
-            <a:ext cx="5143500" cy="3429000"/>
-          </a:xfrm>
-          <a:custGeom>
-            <a:avLst/>
-            <a:gdLst/>
-            <a:ahLst/>
-            <a:cxnLst/>
-            <a:rect l="l" t="t" r="r" b="b"/>
-            <a:pathLst>
-              <a:path w="120000" h="120000" extrusionOk="0">
-                <a:moveTo>
-                  <a:pt x="0" y="0"/>
-                </a:moveTo>
-                <a:lnTo>
-                  <a:pt x="120000" y="0"/>
-                </a:lnTo>
-                <a:lnTo>
-                  <a:pt x="120000" y="120000"/>
-                </a:lnTo>
-                <a:lnTo>
-                  <a:pt x="0" y="120000"/>
-                </a:lnTo>
-                <a:close/>
-              </a:path>
-            </a:pathLst>
-          </a:custGeom>
-        </p:spPr>
-      </p:sp>
-      <p:sp>
-        <p:nvSpPr>
-          <p:cNvPr id="80" name="Google Shape;80;g24d42045cc7_0_23:notes"/>
-          <p:cNvSpPr txBox="1">
-            <a:spLocks noGrp="1"/>
-          </p:cNvSpPr>
-          <p:nvPr>
-            <p:ph type="body" idx="1"/>
-          </p:nvPr>
-        </p:nvSpPr>
-        <p:spPr>
-          <a:xfrm>
-            <a:off x="685800" y="4343400"/>
-            <a:ext cx="5486400" cy="4114800"/>
-          </a:xfrm>
-          <a:prstGeom prst="rect">
-            <a:avLst/>
-          </a:prstGeom>
-        </p:spPr>
-        <p:txBody>
-          <a:bodyPr spcFirstLastPara="1" wrap="square" lIns="91425" tIns="91425" rIns="91425" bIns="91425" anchor="t" anchorCtr="0">
-            <a:noAutofit/>
-          </a:bodyPr>
-          <a:lstStyle/>
-          <a:p>
-            <a:pPr marL="0" lvl="0" indent="0" algn="l" rtl="0">
-              <a:spcBef>
-                <a:spcPts val="0"/>
-              </a:spcBef>
-              <a:spcAft>
-                <a:spcPts val="0"/>
-              </a:spcAft>
-              <a:buNone/>
-            </a:pPr>
-            <a:endParaRPr dirty="0"/>
-          </a:p>
-        </p:txBody>
-      </p:sp>
-    </p:spTree>
-    <p:extLst>
-      <p:ext uri="{BB962C8B-B14F-4D97-AF65-F5344CB8AC3E}">
-        <p14:creationId xmlns:p14="http://schemas.microsoft.com/office/powerpoint/2010/main" val="3312076792"/>
       </p:ext>
     </p:extLst>
   </p:cSld>
@@ -7924,7 +7814,7 @@
             <a:avLst/>
           </a:prstGeom>
           <a:noFill/>
-          <a:ln>
+          <a:ln w="19050">
             <a:solidFill>
               <a:schemeClr val="bg1">
                 <a:alpha val="20000"/>
@@ -10122,7 +10012,7 @@
             <a:avLst/>
           </a:prstGeom>
           <a:noFill/>
-          <a:ln>
+          <a:ln w="19050">
             <a:solidFill>
               <a:schemeClr val="bg1">
                 <a:alpha val="20000"/>
@@ -11628,7 +11518,7 @@
             <a:avLst/>
           </a:prstGeom>
           <a:noFill/>
-          <a:ln>
+          <a:ln w="19050">
             <a:solidFill>
               <a:schemeClr val="bg1">
                 <a:alpha val="20000"/>
@@ -14573,7 +14463,7 @@
           <a:solidFill>
             <a:schemeClr val="accent1"/>
           </a:solidFill>
-          <a:ln>
+          <a:ln w="19050">
             <a:solidFill>
               <a:schemeClr val="bg1"/>
             </a:solidFill>
@@ -16824,7 +16714,7 @@
           <a:solidFill>
             <a:schemeClr val="accent1"/>
           </a:solidFill>
-          <a:ln>
+          <a:ln w="19050">
             <a:solidFill>
               <a:schemeClr val="bg1"/>
             </a:solidFill>
@@ -19051,7 +18941,7 @@
           <a:solidFill>
             <a:schemeClr val="accent1"/>
           </a:solidFill>
-          <a:ln>
+          <a:ln w="19050">
             <a:solidFill>
               <a:schemeClr val="bg1"/>
             </a:solidFill>
@@ -20572,7 +20462,7 @@
             <a:avLst/>
           </a:prstGeom>
           <a:noFill/>
-          <a:ln>
+          <a:ln w="19050">
             <a:solidFill>
               <a:schemeClr val="bg1"/>
             </a:solidFill>
@@ -21452,1709 +21342,6 @@
 </p:sld>
 </file>
 
-<file path=ppt/slides/slide16.xml><?xml version="1.0" encoding="utf-8"?>
-<p:sld xmlns:a="http://schemas.openxmlformats.org/drawingml/2006/main" xmlns:r="http://schemas.openxmlformats.org/officeDocument/2006/relationships" xmlns:p="http://schemas.openxmlformats.org/presentationml/2006/main">
-  <p:cSld>
-    <p:spTree>
-      <p:nvGrpSpPr>
-        <p:cNvPr id="1" name="Shape 81"/>
-        <p:cNvGrpSpPr/>
-        <p:nvPr/>
-      </p:nvGrpSpPr>
-      <p:grpSpPr>
-        <a:xfrm>
-          <a:off x="0" y="0"/>
-          <a:ext cx="0" cy="0"/>
-          <a:chOff x="0" y="0"/>
-          <a:chExt cx="0" cy="0"/>
-        </a:xfrm>
-      </p:grpSpPr>
-      <p:pic>
-        <p:nvPicPr>
-          <p:cNvPr id="6" name="그림 5">
-            <a:extLst>
-              <a:ext uri="{FF2B5EF4-FFF2-40B4-BE49-F238E27FC236}">
-                <a16:creationId xmlns:a16="http://schemas.microsoft.com/office/drawing/2014/main" id="{E571503E-0D7E-0362-1500-628CDD75BC13}"/>
-              </a:ext>
-            </a:extLst>
-          </p:cNvPr>
-          <p:cNvPicPr>
-            <a:picLocks noChangeAspect="1"/>
-          </p:cNvPicPr>
-          <p:nvPr/>
-        </p:nvPicPr>
-        <p:blipFill>
-          <a:blip r:embed="rId3"/>
-          <a:stretch>
-            <a:fillRect/>
-          </a:stretch>
-        </p:blipFill>
-        <p:spPr>
-          <a:xfrm>
-            <a:off x="5970690" y="879414"/>
-            <a:ext cx="449222" cy="207765"/>
-          </a:xfrm>
-          <a:prstGeom prst="rect">
-            <a:avLst/>
-          </a:prstGeom>
-        </p:spPr>
-      </p:pic>
-      <p:pic>
-        <p:nvPicPr>
-          <p:cNvPr id="9" name="그림 8">
-            <a:extLst>
-              <a:ext uri="{FF2B5EF4-FFF2-40B4-BE49-F238E27FC236}">
-                <a16:creationId xmlns:a16="http://schemas.microsoft.com/office/drawing/2014/main" id="{FBAFAB0F-995D-42EE-BF9D-99F559B1E2BB}"/>
-              </a:ext>
-            </a:extLst>
-          </p:cNvPr>
-          <p:cNvPicPr>
-            <a:picLocks noChangeAspect="1"/>
-          </p:cNvPicPr>
-          <p:nvPr/>
-        </p:nvPicPr>
-        <p:blipFill>
-          <a:blip r:embed="rId4"/>
-          <a:stretch>
-            <a:fillRect/>
-          </a:stretch>
-        </p:blipFill>
-        <p:spPr>
-          <a:xfrm>
-            <a:off x="5955019" y="1829810"/>
-            <a:ext cx="480564" cy="193270"/>
-          </a:xfrm>
-          <a:prstGeom prst="rect">
-            <a:avLst/>
-          </a:prstGeom>
-        </p:spPr>
-      </p:pic>
-      <p:sp>
-        <p:nvSpPr>
-          <p:cNvPr id="2" name="직사각형 1">
-            <a:extLst>
-              <a:ext uri="{FF2B5EF4-FFF2-40B4-BE49-F238E27FC236}">
-                <a16:creationId xmlns:a16="http://schemas.microsoft.com/office/drawing/2014/main" id="{0C17AC6A-59F8-9731-C737-FC57B988DE34}"/>
-              </a:ext>
-            </a:extLst>
-          </p:cNvPr>
-          <p:cNvSpPr/>
-          <p:nvPr/>
-        </p:nvSpPr>
-        <p:spPr>
-          <a:xfrm>
-            <a:off x="3621247" y="960425"/>
-            <a:ext cx="972000" cy="972000"/>
-          </a:xfrm>
-          <a:prstGeom prst="rect">
-            <a:avLst/>
-          </a:prstGeom>
-          <a:noFill/>
-          <a:ln w="19050">
-            <a:solidFill>
-              <a:schemeClr val="tx1"/>
-            </a:solidFill>
-          </a:ln>
-        </p:spPr>
-        <p:style>
-          <a:lnRef idx="2">
-            <a:schemeClr val="accent1">
-              <a:shade val="15000"/>
-            </a:schemeClr>
-          </a:lnRef>
-          <a:fillRef idx="1">
-            <a:schemeClr val="accent1"/>
-          </a:fillRef>
-          <a:effectRef idx="0">
-            <a:schemeClr val="accent1"/>
-          </a:effectRef>
-          <a:fontRef idx="minor">
-            <a:schemeClr val="lt1"/>
-          </a:fontRef>
-        </p:style>
-        <p:txBody>
-          <a:bodyPr rtlCol="0" anchor="ctr"/>
-          <a:lstStyle/>
-          <a:p>
-            <a:pPr algn="ctr"/>
-            <a:r>
-              <a:rPr kumimoji="1" lang="en-US" altLang="ko-Kore-KR" sz="1800" dirty="0">
-                <a:solidFill>
-                  <a:schemeClr val="tx1"/>
-                </a:solidFill>
-                <a:latin typeface="Calibri" panose="020F0502020204030204" pitchFamily="34" charset="0"/>
-                <a:ea typeface="Source Sans Pro" panose="020B0503030403020204" pitchFamily="34" charset="0"/>
-                <a:cs typeface="Calibri" panose="020F0502020204030204" pitchFamily="34" charset="0"/>
-              </a:rPr>
-              <a:t>Encoder</a:t>
-            </a:r>
-          </a:p>
-          <a:p>
-            <a:pPr algn="ctr"/>
-            <a:endParaRPr kumimoji="1" lang="ko-Kore-KR" altLang="en-US" sz="1800" dirty="0">
-              <a:solidFill>
-                <a:schemeClr val="tx1"/>
-              </a:solidFill>
-              <a:latin typeface="Calibri" panose="020F0502020204030204" pitchFamily="34" charset="0"/>
-              <a:cs typeface="Calibri" panose="020F0502020204030204" pitchFamily="34" charset="0"/>
-            </a:endParaRPr>
-          </a:p>
-        </p:txBody>
-      </p:sp>
-      <p:pic>
-        <p:nvPicPr>
-          <p:cNvPr id="3" name="그림 2">
-            <a:extLst>
-              <a:ext uri="{FF2B5EF4-FFF2-40B4-BE49-F238E27FC236}">
-                <a16:creationId xmlns:a16="http://schemas.microsoft.com/office/drawing/2014/main" id="{E56AEE8A-1BEF-3703-F1DB-49CE8B108C2B}"/>
-              </a:ext>
-            </a:extLst>
-          </p:cNvPr>
-          <p:cNvPicPr>
-            <a:picLocks noChangeAspect="1"/>
-          </p:cNvPicPr>
-          <p:nvPr/>
-        </p:nvPicPr>
-        <p:blipFill>
-          <a:blip r:embed="rId5"/>
-          <a:stretch>
-            <a:fillRect/>
-          </a:stretch>
-        </p:blipFill>
-        <p:spPr>
-          <a:xfrm>
-            <a:off x="4064580" y="1482635"/>
-            <a:ext cx="85333" cy="144000"/>
-          </a:xfrm>
-          <a:prstGeom prst="rect">
-            <a:avLst/>
-          </a:prstGeom>
-        </p:spPr>
-      </p:pic>
-      <p:sp>
-        <p:nvSpPr>
-          <p:cNvPr id="5" name="TextBox 4">
-            <a:extLst>
-              <a:ext uri="{FF2B5EF4-FFF2-40B4-BE49-F238E27FC236}">
-                <a16:creationId xmlns:a16="http://schemas.microsoft.com/office/drawing/2014/main" id="{0D3BB70B-A1A2-5CEA-540E-B91FD1233046}"/>
-              </a:ext>
-            </a:extLst>
-          </p:cNvPr>
-          <p:cNvSpPr txBox="1"/>
-          <p:nvPr/>
-        </p:nvSpPr>
-        <p:spPr>
-          <a:xfrm>
-            <a:off x="4878035" y="683426"/>
-            <a:ext cx="997843" cy="646331"/>
-          </a:xfrm>
-          <a:prstGeom prst="rect">
-            <a:avLst/>
-          </a:prstGeom>
-          <a:noFill/>
-        </p:spPr>
-        <p:txBody>
-          <a:bodyPr wrap="square">
-            <a:spAutoFit/>
-          </a:bodyPr>
-          <a:lstStyle/>
-          <a:p>
-            <a:pPr algn="ctr"/>
-            <a:r>
-              <a:rPr kumimoji="1" lang="en-US" altLang="ko-Kore-KR" sz="1800" dirty="0">
-                <a:solidFill>
-                  <a:schemeClr val="tx1"/>
-                </a:solidFill>
-                <a:latin typeface="Calibri" panose="020F0502020204030204" pitchFamily="34" charset="0"/>
-                <a:ea typeface="Source Sans Pro" panose="020B0503030403020204" pitchFamily="34" charset="0"/>
-                <a:cs typeface="Calibri" panose="020F0502020204030204" pitchFamily="34" charset="0"/>
-              </a:rPr>
-              <a:t>Policy</a:t>
-            </a:r>
-          </a:p>
-          <a:p>
-            <a:pPr algn="ctr"/>
-            <a:endParaRPr lang="ko-Kore-KR" altLang="en-US" sz="1800" dirty="0">
-              <a:latin typeface="Calibri" panose="020F0502020204030204" pitchFamily="34" charset="0"/>
-              <a:cs typeface="Calibri" panose="020F0502020204030204" pitchFamily="34" charset="0"/>
-            </a:endParaRPr>
-          </a:p>
-        </p:txBody>
-      </p:sp>
-      <p:pic>
-        <p:nvPicPr>
-          <p:cNvPr id="33" name="그림 32">
-            <a:extLst>
-              <a:ext uri="{FF2B5EF4-FFF2-40B4-BE49-F238E27FC236}">
-                <a16:creationId xmlns:a16="http://schemas.microsoft.com/office/drawing/2014/main" id="{DEEFFE0F-2FE1-B49B-E7FF-AB0BB2994CA4}"/>
-              </a:ext>
-            </a:extLst>
-          </p:cNvPr>
-          <p:cNvPicPr>
-            <a:picLocks noChangeAspect="1"/>
-          </p:cNvPicPr>
-          <p:nvPr/>
-        </p:nvPicPr>
-        <p:blipFill>
-          <a:blip r:embed="rId6"/>
-          <a:stretch>
-            <a:fillRect/>
-          </a:stretch>
-        </p:blipFill>
-        <p:spPr>
-          <a:xfrm>
-            <a:off x="4950037" y="1003175"/>
-            <a:ext cx="900000" cy="220531"/>
-          </a:xfrm>
-          <a:prstGeom prst="rect">
-            <a:avLst/>
-          </a:prstGeom>
-        </p:spPr>
-      </p:pic>
-      <p:cxnSp>
-        <p:nvCxnSpPr>
-          <p:cNvPr id="34" name="직선 화살표 연결선 33">
-            <a:extLst>
-              <a:ext uri="{FF2B5EF4-FFF2-40B4-BE49-F238E27FC236}">
-                <a16:creationId xmlns:a16="http://schemas.microsoft.com/office/drawing/2014/main" id="{C2468FBF-A481-C026-3B09-3477DD729C4C}"/>
-              </a:ext>
-            </a:extLst>
-          </p:cNvPr>
-          <p:cNvCxnSpPr>
-            <a:cxnSpLocks/>
-            <a:stCxn id="2" idx="3"/>
-            <a:endCxn id="5" idx="1"/>
-          </p:cNvCxnSpPr>
-          <p:nvPr/>
-        </p:nvCxnSpPr>
-        <p:spPr>
-          <a:xfrm flipV="1">
-            <a:off x="4593247" y="1006592"/>
-            <a:ext cx="284788" cy="439833"/>
-          </a:xfrm>
-          <a:prstGeom prst="straightConnector1">
-            <a:avLst/>
-          </a:prstGeom>
-          <a:ln w="19050">
-            <a:solidFill>
-              <a:schemeClr val="tx1"/>
-            </a:solidFill>
-            <a:tailEnd type="triangle"/>
-          </a:ln>
-        </p:spPr>
-        <p:style>
-          <a:lnRef idx="1">
-            <a:schemeClr val="accent1"/>
-          </a:lnRef>
-          <a:fillRef idx="0">
-            <a:schemeClr val="accent1"/>
-          </a:fillRef>
-          <a:effectRef idx="0">
-            <a:schemeClr val="accent1"/>
-          </a:effectRef>
-          <a:fontRef idx="minor">
-            <a:schemeClr val="tx1"/>
-          </a:fontRef>
-        </p:style>
-      </p:cxnSp>
-      <p:sp>
-        <p:nvSpPr>
-          <p:cNvPr id="35" name="TextBox 34">
-            <a:extLst>
-              <a:ext uri="{FF2B5EF4-FFF2-40B4-BE49-F238E27FC236}">
-                <a16:creationId xmlns:a16="http://schemas.microsoft.com/office/drawing/2014/main" id="{1D3E3E0C-7302-EF17-5066-1F0164441157}"/>
-              </a:ext>
-            </a:extLst>
-          </p:cNvPr>
-          <p:cNvSpPr txBox="1"/>
-          <p:nvPr/>
-        </p:nvSpPr>
-        <p:spPr>
-          <a:xfrm>
-            <a:off x="4878036" y="1655426"/>
-            <a:ext cx="997843" cy="646331"/>
-          </a:xfrm>
-          <a:prstGeom prst="rect">
-            <a:avLst/>
-          </a:prstGeom>
-          <a:noFill/>
-        </p:spPr>
-        <p:txBody>
-          <a:bodyPr wrap="square">
-            <a:spAutoFit/>
-          </a:bodyPr>
-          <a:lstStyle/>
-          <a:p>
-            <a:pPr algn="ctr"/>
-            <a:r>
-              <a:rPr kumimoji="1" lang="en-US" altLang="ko-Kore-KR" sz="1800" dirty="0">
-                <a:solidFill>
-                  <a:schemeClr val="tx1"/>
-                </a:solidFill>
-                <a:latin typeface="Calibri" panose="020F0502020204030204" pitchFamily="34" charset="0"/>
-                <a:ea typeface="Source Sans Pro" panose="020B0503030403020204" pitchFamily="34" charset="0"/>
-                <a:cs typeface="Calibri" panose="020F0502020204030204" pitchFamily="34" charset="0"/>
-              </a:rPr>
-              <a:t>Value</a:t>
-            </a:r>
-          </a:p>
-          <a:p>
-            <a:pPr algn="ctr"/>
-            <a:endParaRPr lang="ko-Kore-KR" altLang="en-US" sz="1800" dirty="0">
-              <a:solidFill>
-                <a:schemeClr val="tx1">
-                  <a:alpha val="20000"/>
-                </a:schemeClr>
-              </a:solidFill>
-              <a:latin typeface="Calibri" panose="020F0502020204030204" pitchFamily="34" charset="0"/>
-              <a:cs typeface="Calibri" panose="020F0502020204030204" pitchFamily="34" charset="0"/>
-            </a:endParaRPr>
-          </a:p>
-        </p:txBody>
-      </p:sp>
-      <p:pic>
-        <p:nvPicPr>
-          <p:cNvPr id="36" name="그림 35">
-            <a:extLst>
-              <a:ext uri="{FF2B5EF4-FFF2-40B4-BE49-F238E27FC236}">
-                <a16:creationId xmlns:a16="http://schemas.microsoft.com/office/drawing/2014/main" id="{4D61E5CD-EDF4-ABE6-5F21-A1323987711C}"/>
-              </a:ext>
-            </a:extLst>
-          </p:cNvPr>
-          <p:cNvPicPr>
-            <a:picLocks noChangeAspect="1"/>
-          </p:cNvPicPr>
-          <p:nvPr/>
-        </p:nvPicPr>
-        <p:blipFill>
-          <a:blip r:embed="rId7">
-            <a:alphaModFix/>
-          </a:blip>
-          <a:stretch>
-            <a:fillRect/>
-          </a:stretch>
-        </p:blipFill>
-        <p:spPr>
-          <a:xfrm>
-            <a:off x="5127388" y="1967791"/>
-            <a:ext cx="499135" cy="205200"/>
-          </a:xfrm>
-          <a:prstGeom prst="rect">
-            <a:avLst/>
-          </a:prstGeom>
-        </p:spPr>
-      </p:pic>
-      <p:cxnSp>
-        <p:nvCxnSpPr>
-          <p:cNvPr id="37" name="직선 화살표 연결선 36">
-            <a:extLst>
-              <a:ext uri="{FF2B5EF4-FFF2-40B4-BE49-F238E27FC236}">
-                <a16:creationId xmlns:a16="http://schemas.microsoft.com/office/drawing/2014/main" id="{22C07C2B-E507-4CE7-806B-DA083EF02A52}"/>
-              </a:ext>
-            </a:extLst>
-          </p:cNvPr>
-          <p:cNvCxnSpPr>
-            <a:cxnSpLocks/>
-            <a:stCxn id="2" idx="3"/>
-            <a:endCxn id="35" idx="1"/>
-          </p:cNvCxnSpPr>
-          <p:nvPr/>
-        </p:nvCxnSpPr>
-        <p:spPr>
-          <a:xfrm>
-            <a:off x="4593247" y="1446425"/>
-            <a:ext cx="284789" cy="532167"/>
-          </a:xfrm>
-          <a:prstGeom prst="straightConnector1">
-            <a:avLst/>
-          </a:prstGeom>
-          <a:ln w="19050">
-            <a:solidFill>
-              <a:schemeClr val="tx1"/>
-            </a:solidFill>
-            <a:tailEnd type="triangle"/>
-          </a:ln>
-        </p:spPr>
-        <p:style>
-          <a:lnRef idx="1">
-            <a:schemeClr val="accent1"/>
-          </a:lnRef>
-          <a:fillRef idx="0">
-            <a:schemeClr val="accent1"/>
-          </a:fillRef>
-          <a:effectRef idx="0">
-            <a:schemeClr val="accent1"/>
-          </a:effectRef>
-          <a:fontRef idx="minor">
-            <a:schemeClr val="tx1"/>
-          </a:fontRef>
-        </p:style>
-      </p:cxnSp>
-      <p:cxnSp>
-        <p:nvCxnSpPr>
-          <p:cNvPr id="38" name="직선 화살표 연결선 37">
-            <a:extLst>
-              <a:ext uri="{FF2B5EF4-FFF2-40B4-BE49-F238E27FC236}">
-                <a16:creationId xmlns:a16="http://schemas.microsoft.com/office/drawing/2014/main" id="{073E87EF-D3AF-9448-26A0-5D909F86E9AC}"/>
-              </a:ext>
-            </a:extLst>
-          </p:cNvPr>
-          <p:cNvCxnSpPr>
-            <a:cxnSpLocks/>
-            <a:stCxn id="39" idx="3"/>
-            <a:endCxn id="2" idx="1"/>
-          </p:cNvCxnSpPr>
-          <p:nvPr/>
-        </p:nvCxnSpPr>
-        <p:spPr>
-          <a:xfrm>
-            <a:off x="3336457" y="1446347"/>
-            <a:ext cx="284790" cy="78"/>
-          </a:xfrm>
-          <a:prstGeom prst="straightConnector1">
-            <a:avLst/>
-          </a:prstGeom>
-          <a:ln w="19050">
-            <a:solidFill>
-              <a:schemeClr val="tx1"/>
-            </a:solidFill>
-            <a:tailEnd type="triangle"/>
-          </a:ln>
-        </p:spPr>
-        <p:style>
-          <a:lnRef idx="1">
-            <a:schemeClr val="accent1"/>
-          </a:lnRef>
-          <a:fillRef idx="0">
-            <a:schemeClr val="accent1"/>
-          </a:fillRef>
-          <a:effectRef idx="0">
-            <a:schemeClr val="accent1"/>
-          </a:effectRef>
-          <a:fontRef idx="minor">
-            <a:schemeClr val="tx1"/>
-          </a:fontRef>
-        </p:style>
-      </p:cxnSp>
-      <p:sp>
-        <p:nvSpPr>
-          <p:cNvPr id="39" name="TextBox 38">
-            <a:extLst>
-              <a:ext uri="{FF2B5EF4-FFF2-40B4-BE49-F238E27FC236}">
-                <a16:creationId xmlns:a16="http://schemas.microsoft.com/office/drawing/2014/main" id="{25D681CB-5F5D-82BD-C937-7ACA2EECC66D}"/>
-              </a:ext>
-            </a:extLst>
-          </p:cNvPr>
-          <p:cNvSpPr txBox="1"/>
-          <p:nvPr/>
-        </p:nvSpPr>
-        <p:spPr>
-          <a:xfrm>
-            <a:off x="2670471" y="1123181"/>
-            <a:ext cx="665986" cy="646331"/>
-          </a:xfrm>
-          <a:prstGeom prst="rect">
-            <a:avLst/>
-          </a:prstGeom>
-          <a:noFill/>
-        </p:spPr>
-        <p:txBody>
-          <a:bodyPr wrap="square">
-            <a:spAutoFit/>
-          </a:bodyPr>
-          <a:lstStyle/>
-          <a:p>
-            <a:pPr algn="ctr"/>
-            <a:r>
-              <a:rPr kumimoji="1" lang="en-US" altLang="ko-Kore-KR" sz="1800" dirty="0">
-                <a:solidFill>
-                  <a:schemeClr val="tx1"/>
-                </a:solidFill>
-                <a:latin typeface="Calibri" panose="020F0502020204030204" pitchFamily="34" charset="0"/>
-                <a:ea typeface="Source Sans Pro" panose="020B0503030403020204" pitchFamily="34" charset="0"/>
-                <a:cs typeface="Calibri" panose="020F0502020204030204" pitchFamily="34" charset="0"/>
-              </a:rPr>
-              <a:t>State</a:t>
-            </a:r>
-          </a:p>
-          <a:p>
-            <a:pPr algn="ctr"/>
-            <a:endParaRPr lang="ko-Kore-KR" altLang="en-US" sz="1800" dirty="0">
-              <a:latin typeface="Calibri" panose="020F0502020204030204" pitchFamily="34" charset="0"/>
-              <a:cs typeface="Calibri" panose="020F0502020204030204" pitchFamily="34" charset="0"/>
-            </a:endParaRPr>
-          </a:p>
-        </p:txBody>
-      </p:sp>
-      <p:pic>
-        <p:nvPicPr>
-          <p:cNvPr id="40" name="그림 39">
-            <a:extLst>
-              <a:ext uri="{FF2B5EF4-FFF2-40B4-BE49-F238E27FC236}">
-                <a16:creationId xmlns:a16="http://schemas.microsoft.com/office/drawing/2014/main" id="{48159A13-9EFC-8C2B-FF99-E1E0FB4EA17C}"/>
-              </a:ext>
-            </a:extLst>
-          </p:cNvPr>
-          <p:cNvPicPr>
-            <a:picLocks noChangeAspect="1"/>
-          </p:cNvPicPr>
-          <p:nvPr/>
-        </p:nvPicPr>
-        <p:blipFill>
-          <a:blip r:embed="rId8"/>
-          <a:stretch>
-            <a:fillRect/>
-          </a:stretch>
-        </p:blipFill>
-        <p:spPr>
-          <a:xfrm>
-            <a:off x="2919083" y="1455387"/>
-            <a:ext cx="189626" cy="166871"/>
-          </a:xfrm>
-          <a:prstGeom prst="rect">
-            <a:avLst/>
-          </a:prstGeom>
-        </p:spPr>
-      </p:pic>
-      <p:pic>
-        <p:nvPicPr>
-          <p:cNvPr id="48" name="그림 47" descr="지도, 지구, 세계이(가) 표시된 사진&#10;&#10;자동 생성된 설명">
-            <a:extLst>
-              <a:ext uri="{FF2B5EF4-FFF2-40B4-BE49-F238E27FC236}">
-                <a16:creationId xmlns:a16="http://schemas.microsoft.com/office/drawing/2014/main" id="{E1B98D59-EB0F-4867-844E-7EF4ED1F9271}"/>
-              </a:ext>
-            </a:extLst>
-          </p:cNvPr>
-          <p:cNvPicPr>
-            <a:picLocks noChangeAspect="1"/>
-          </p:cNvPicPr>
-          <p:nvPr/>
-        </p:nvPicPr>
-        <p:blipFill>
-          <a:blip r:embed="rId9"/>
-          <a:stretch>
-            <a:fillRect/>
-          </a:stretch>
-        </p:blipFill>
-        <p:spPr>
-          <a:xfrm>
-            <a:off x="467190" y="1095388"/>
-            <a:ext cx="720000" cy="720000"/>
-          </a:xfrm>
-          <a:prstGeom prst="rect">
-            <a:avLst/>
-          </a:prstGeom>
-        </p:spPr>
-      </p:pic>
-      <p:sp>
-        <p:nvSpPr>
-          <p:cNvPr id="49" name="모서리가 둥근 직사각형 48">
-            <a:extLst>
-              <a:ext uri="{FF2B5EF4-FFF2-40B4-BE49-F238E27FC236}">
-                <a16:creationId xmlns:a16="http://schemas.microsoft.com/office/drawing/2014/main" id="{F5C711F4-654C-6D6C-BFCB-594C00E4EC5E}"/>
-              </a:ext>
-            </a:extLst>
-          </p:cNvPr>
-          <p:cNvSpPr/>
-          <p:nvPr/>
-        </p:nvSpPr>
-        <p:spPr>
-          <a:xfrm>
-            <a:off x="1302812" y="1032347"/>
-            <a:ext cx="828000" cy="828000"/>
-          </a:xfrm>
-          <a:prstGeom prst="roundRect">
-            <a:avLst/>
-          </a:prstGeom>
-          <a:noFill/>
-          <a:ln w="19050">
-            <a:solidFill>
-              <a:schemeClr val="tx1"/>
-            </a:solidFill>
-          </a:ln>
-        </p:spPr>
-        <p:style>
-          <a:lnRef idx="2">
-            <a:schemeClr val="accent1">
-              <a:shade val="15000"/>
-            </a:schemeClr>
-          </a:lnRef>
-          <a:fillRef idx="1">
-            <a:schemeClr val="accent1"/>
-          </a:fillRef>
-          <a:effectRef idx="0">
-            <a:schemeClr val="accent1"/>
-          </a:effectRef>
-          <a:fontRef idx="minor">
-            <a:schemeClr val="lt1"/>
-          </a:fontRef>
-        </p:style>
-        <p:txBody>
-          <a:bodyPr rtlCol="0" anchor="ctr"/>
-          <a:lstStyle/>
-          <a:p>
-            <a:pPr algn="ctr"/>
-            <a:r>
-              <a:rPr kumimoji="1" lang="en-US" altLang="ko-Kore-KR" sz="1800" dirty="0">
-                <a:solidFill>
-                  <a:schemeClr val="tx1"/>
-                </a:solidFill>
-                <a:latin typeface="Calibri" panose="020F0502020204030204" pitchFamily="34" charset="0"/>
-                <a:ea typeface="Source Sans Pro" panose="020B0503030403020204" pitchFamily="34" charset="0"/>
-                <a:cs typeface="Calibri" panose="020F0502020204030204" pitchFamily="34" charset="0"/>
-              </a:rPr>
-              <a:t>Agent</a:t>
-            </a:r>
-            <a:r>
-              <a:rPr kumimoji="1" lang="en-US" altLang="ko-Kore-KR" dirty="0">
-                <a:solidFill>
-                  <a:schemeClr val="tx1"/>
-                </a:solidFill>
-                <a:latin typeface="Calibri" panose="020F0502020204030204" pitchFamily="34" charset="0"/>
-                <a:ea typeface="Source Sans Pro" panose="020B0503030403020204" pitchFamily="34" charset="0"/>
-                <a:cs typeface="Calibri" panose="020F0502020204030204" pitchFamily="34" charset="0"/>
-              </a:rPr>
-              <a:t> </a:t>
-            </a:r>
-          </a:p>
-        </p:txBody>
-      </p:sp>
-      <p:pic>
-        <p:nvPicPr>
-          <p:cNvPr id="50" name="그림 49">
-            <a:extLst>
-              <a:ext uri="{FF2B5EF4-FFF2-40B4-BE49-F238E27FC236}">
-                <a16:creationId xmlns:a16="http://schemas.microsoft.com/office/drawing/2014/main" id="{BF27BC35-289E-4E54-0016-F1A8126FE9CB}"/>
-              </a:ext>
-            </a:extLst>
-          </p:cNvPr>
-          <p:cNvPicPr>
-            <a:picLocks noChangeAspect="1"/>
-          </p:cNvPicPr>
-          <p:nvPr/>
-        </p:nvPicPr>
-        <p:blipFill>
-          <a:blip r:embed="rId10"/>
-          <a:stretch>
-            <a:fillRect/>
-          </a:stretch>
-        </p:blipFill>
-        <p:spPr>
-          <a:xfrm>
-            <a:off x="827189" y="2046471"/>
-            <a:ext cx="889623" cy="212362"/>
-          </a:xfrm>
-          <a:prstGeom prst="rect">
-            <a:avLst/>
-          </a:prstGeom>
-        </p:spPr>
-      </p:pic>
-      <p:cxnSp>
-        <p:nvCxnSpPr>
-          <p:cNvPr id="51" name="꺾인 연결선[E] 50">
-            <a:extLst>
-              <a:ext uri="{FF2B5EF4-FFF2-40B4-BE49-F238E27FC236}">
-                <a16:creationId xmlns:a16="http://schemas.microsoft.com/office/drawing/2014/main" id="{EEF4BBD7-8FB2-610B-84F8-5AC593131DEC}"/>
-              </a:ext>
-            </a:extLst>
-          </p:cNvPr>
-          <p:cNvCxnSpPr>
-            <a:cxnSpLocks/>
-            <a:stCxn id="48" idx="0"/>
-            <a:endCxn id="49" idx="0"/>
-          </p:cNvCxnSpPr>
-          <p:nvPr/>
-        </p:nvCxnSpPr>
-        <p:spPr>
-          <a:xfrm rot="5400000" flipH="1" flipV="1">
-            <a:off x="1240481" y="619057"/>
-            <a:ext cx="63041" cy="889622"/>
-          </a:xfrm>
-          <a:prstGeom prst="bentConnector3">
-            <a:avLst>
-              <a:gd name="adj1" fmla="val 325407"/>
-            </a:avLst>
-          </a:prstGeom>
-          <a:ln w="19050">
-            <a:solidFill>
-              <a:schemeClr val="tx1"/>
-            </a:solidFill>
-            <a:tailEnd type="triangle"/>
-          </a:ln>
-        </p:spPr>
-        <p:style>
-          <a:lnRef idx="1">
-            <a:schemeClr val="accent1"/>
-          </a:lnRef>
-          <a:fillRef idx="0">
-            <a:schemeClr val="accent1"/>
-          </a:fillRef>
-          <a:effectRef idx="0">
-            <a:schemeClr val="accent1"/>
-          </a:effectRef>
-          <a:fontRef idx="minor">
-            <a:schemeClr val="tx1"/>
-          </a:fontRef>
-        </p:style>
-      </p:cxnSp>
-      <p:cxnSp>
-        <p:nvCxnSpPr>
-          <p:cNvPr id="52" name="꺾인 연결선[E] 51">
-            <a:extLst>
-              <a:ext uri="{FF2B5EF4-FFF2-40B4-BE49-F238E27FC236}">
-                <a16:creationId xmlns:a16="http://schemas.microsoft.com/office/drawing/2014/main" id="{36AB393E-EF5C-2353-ED98-AF943C892131}"/>
-              </a:ext>
-            </a:extLst>
-          </p:cNvPr>
-          <p:cNvCxnSpPr>
-            <a:cxnSpLocks/>
-            <a:stCxn id="49" idx="2"/>
-            <a:endCxn id="48" idx="2"/>
-          </p:cNvCxnSpPr>
-          <p:nvPr/>
-        </p:nvCxnSpPr>
-        <p:spPr>
-          <a:xfrm rot="5400000" flipH="1">
-            <a:off x="1249521" y="1393057"/>
-            <a:ext cx="44959" cy="889622"/>
-          </a:xfrm>
-          <a:prstGeom prst="bentConnector3">
-            <a:avLst>
-              <a:gd name="adj1" fmla="val -302329"/>
-            </a:avLst>
-          </a:prstGeom>
-          <a:ln w="19050">
-            <a:solidFill>
-              <a:schemeClr val="tx1"/>
-            </a:solidFill>
-            <a:tailEnd type="triangle"/>
-          </a:ln>
-        </p:spPr>
-        <p:style>
-          <a:lnRef idx="1">
-            <a:schemeClr val="accent1"/>
-          </a:lnRef>
-          <a:fillRef idx="0">
-            <a:schemeClr val="accent1"/>
-          </a:fillRef>
-          <a:effectRef idx="0">
-            <a:schemeClr val="accent1"/>
-          </a:effectRef>
-          <a:fontRef idx="minor">
-            <a:schemeClr val="tx1"/>
-          </a:fontRef>
-        </p:style>
-      </p:cxnSp>
-      <p:pic>
-        <p:nvPicPr>
-          <p:cNvPr id="53" name="그림 52">
-            <a:extLst>
-              <a:ext uri="{FF2B5EF4-FFF2-40B4-BE49-F238E27FC236}">
-                <a16:creationId xmlns:a16="http://schemas.microsoft.com/office/drawing/2014/main" id="{C4F0EF64-06D2-BD8C-B0E6-55D8F0E9DB76}"/>
-              </a:ext>
-            </a:extLst>
-          </p:cNvPr>
-          <p:cNvPicPr>
-            <a:picLocks noChangeAspect="1"/>
-          </p:cNvPicPr>
-          <p:nvPr/>
-        </p:nvPicPr>
-        <p:blipFill>
-          <a:blip r:embed="rId11"/>
-          <a:stretch>
-            <a:fillRect/>
-          </a:stretch>
-        </p:blipFill>
-        <p:spPr>
-          <a:xfrm>
-            <a:off x="827189" y="584530"/>
-            <a:ext cx="889623" cy="249364"/>
-          </a:xfrm>
-          <a:prstGeom prst="rect">
-            <a:avLst/>
-          </a:prstGeom>
-        </p:spPr>
-      </p:pic>
-      <p:sp>
-        <p:nvSpPr>
-          <p:cNvPr id="54" name="모서리가 둥근 직사각형 53">
-            <a:extLst>
-              <a:ext uri="{FF2B5EF4-FFF2-40B4-BE49-F238E27FC236}">
-                <a16:creationId xmlns:a16="http://schemas.microsoft.com/office/drawing/2014/main" id="{AE603A07-A0AE-FC7F-9AF3-EE6FF3327535}"/>
-              </a:ext>
-            </a:extLst>
-          </p:cNvPr>
-          <p:cNvSpPr/>
-          <p:nvPr/>
-        </p:nvSpPr>
-        <p:spPr>
-          <a:xfrm>
-            <a:off x="366812" y="510347"/>
-            <a:ext cx="1872000" cy="1872000"/>
-          </a:xfrm>
-          <a:prstGeom prst="roundRect">
-            <a:avLst/>
-          </a:prstGeom>
-          <a:noFill/>
-          <a:ln w="19050">
-            <a:solidFill>
-              <a:schemeClr val="tx1"/>
-            </a:solidFill>
-          </a:ln>
-        </p:spPr>
-        <p:style>
-          <a:lnRef idx="2">
-            <a:schemeClr val="accent1">
-              <a:shade val="15000"/>
-            </a:schemeClr>
-          </a:lnRef>
-          <a:fillRef idx="1">
-            <a:schemeClr val="accent1"/>
-          </a:fillRef>
-          <a:effectRef idx="0">
-            <a:schemeClr val="accent1"/>
-          </a:effectRef>
-          <a:fontRef idx="minor">
-            <a:schemeClr val="lt1"/>
-          </a:fontRef>
-        </p:style>
-        <p:txBody>
-          <a:bodyPr rtlCol="0" anchor="ctr"/>
-          <a:lstStyle/>
-          <a:p>
-            <a:pPr algn="ctr"/>
-            <a:endParaRPr kumimoji="1" lang="ko-Kore-KR" altLang="en-US" sz="1800" dirty="0">
-              <a:solidFill>
-                <a:schemeClr val="tx1"/>
-              </a:solidFill>
-              <a:latin typeface="Calibri" panose="020F0502020204030204" pitchFamily="34" charset="0"/>
-              <a:cs typeface="Calibri" panose="020F0502020204030204" pitchFamily="34" charset="0"/>
-            </a:endParaRPr>
-          </a:p>
-        </p:txBody>
-      </p:sp>
-      <p:sp>
-        <p:nvSpPr>
-          <p:cNvPr id="25" name="TextBox 24">
-            <a:extLst>
-              <a:ext uri="{FF2B5EF4-FFF2-40B4-BE49-F238E27FC236}">
-                <a16:creationId xmlns:a16="http://schemas.microsoft.com/office/drawing/2014/main" id="{9C7F1AE5-4391-4073-F59D-DC2A1915BDE9}"/>
-              </a:ext>
-            </a:extLst>
-          </p:cNvPr>
-          <p:cNvSpPr txBox="1"/>
-          <p:nvPr/>
-        </p:nvSpPr>
-        <p:spPr>
-          <a:xfrm>
-            <a:off x="-72032" y="80713"/>
-            <a:ext cx="1764637" cy="400110"/>
-          </a:xfrm>
-          <a:prstGeom prst="rect">
-            <a:avLst/>
-          </a:prstGeom>
-          <a:noFill/>
-        </p:spPr>
-        <p:txBody>
-          <a:bodyPr wrap="square">
-            <a:spAutoFit/>
-          </a:bodyPr>
-          <a:lstStyle/>
-          <a:p>
-            <a:r>
-              <a:rPr kumimoji="1" lang="en-US" altLang="ko-Kore-KR" sz="2000" b="1" dirty="0">
-                <a:solidFill>
-                  <a:schemeClr val="tx1"/>
-                </a:solidFill>
-                <a:latin typeface="Calibri" panose="020F0502020204030204" pitchFamily="34" charset="0"/>
-                <a:ea typeface="Source Sans Pro" panose="020B0503030403020204" pitchFamily="34" charset="0"/>
-                <a:cs typeface="Calibri" panose="020F0502020204030204" pitchFamily="34" charset="0"/>
-              </a:rPr>
-              <a:t>Policy Phase </a:t>
-            </a:r>
-          </a:p>
-        </p:txBody>
-      </p:sp>
-      <p:sp>
-        <p:nvSpPr>
-          <p:cNvPr id="73" name="TextBox 72">
-            <a:extLst>
-              <a:ext uri="{FF2B5EF4-FFF2-40B4-BE49-F238E27FC236}">
-                <a16:creationId xmlns:a16="http://schemas.microsoft.com/office/drawing/2014/main" id="{4B982F0A-B2D5-F009-80F9-C29E87C1563D}"/>
-              </a:ext>
-            </a:extLst>
-          </p:cNvPr>
-          <p:cNvSpPr txBox="1"/>
-          <p:nvPr/>
-        </p:nvSpPr>
-        <p:spPr>
-          <a:xfrm>
-            <a:off x="-72032" y="2469558"/>
-            <a:ext cx="1820057" cy="400110"/>
-          </a:xfrm>
-          <a:prstGeom prst="rect">
-            <a:avLst/>
-          </a:prstGeom>
-          <a:noFill/>
-        </p:spPr>
-        <p:txBody>
-          <a:bodyPr wrap="square">
-            <a:spAutoFit/>
-          </a:bodyPr>
-          <a:lstStyle/>
-          <a:p>
-            <a:r>
-              <a:rPr kumimoji="1" lang="en-US" altLang="ko-Kore-KR" sz="2000" b="1" dirty="0">
-                <a:solidFill>
-                  <a:schemeClr val="tx1"/>
-                </a:solidFill>
-                <a:latin typeface="Calibri" panose="020F0502020204030204" pitchFamily="34" charset="0"/>
-                <a:ea typeface="Source Sans Pro" panose="020B0503030403020204" pitchFamily="34" charset="0"/>
-                <a:cs typeface="Calibri" panose="020F0502020204030204" pitchFamily="34" charset="0"/>
-              </a:rPr>
-              <a:t>Aux Phase </a:t>
-            </a:r>
-          </a:p>
-        </p:txBody>
-      </p:sp>
-      <p:sp>
-        <p:nvSpPr>
-          <p:cNvPr id="86" name="원통[C] 85">
-            <a:extLst>
-              <a:ext uri="{FF2B5EF4-FFF2-40B4-BE49-F238E27FC236}">
-                <a16:creationId xmlns:a16="http://schemas.microsoft.com/office/drawing/2014/main" id="{91EC83EA-908D-A140-EB93-0EEE7FB84482}"/>
-              </a:ext>
-            </a:extLst>
-          </p:cNvPr>
-          <p:cNvSpPr/>
-          <p:nvPr/>
-        </p:nvSpPr>
-        <p:spPr>
-          <a:xfrm>
-            <a:off x="810286" y="2970815"/>
-            <a:ext cx="900000" cy="900000"/>
-          </a:xfrm>
-          <a:prstGeom prst="can">
-            <a:avLst/>
-          </a:prstGeom>
-          <a:noFill/>
-        </p:spPr>
-        <p:style>
-          <a:lnRef idx="2">
-            <a:schemeClr val="accent1">
-              <a:shade val="15000"/>
-            </a:schemeClr>
-          </a:lnRef>
-          <a:fillRef idx="1">
-            <a:schemeClr val="accent1"/>
-          </a:fillRef>
-          <a:effectRef idx="0">
-            <a:schemeClr val="accent1"/>
-          </a:effectRef>
-          <a:fontRef idx="minor">
-            <a:schemeClr val="lt1"/>
-          </a:fontRef>
-        </p:style>
-        <p:txBody>
-          <a:bodyPr rtlCol="0" anchor="ctr"/>
-          <a:lstStyle/>
-          <a:p>
-            <a:pPr algn="ctr"/>
-            <a:r>
-              <a:rPr kumimoji="1" lang="en-US" altLang="ko-Kore-KR" sz="1800" dirty="0">
-                <a:solidFill>
-                  <a:schemeClr val="tx1"/>
-                </a:solidFill>
-                <a:latin typeface="Calibri" panose="020F0502020204030204" pitchFamily="34" charset="0"/>
-                <a:ea typeface="Source Sans Pro" panose="020B0503030403020204" pitchFamily="34" charset="0"/>
-                <a:cs typeface="Calibri" panose="020F0502020204030204" pitchFamily="34" charset="0"/>
-              </a:rPr>
-              <a:t>Buffer</a:t>
-            </a:r>
-            <a:endParaRPr kumimoji="1" lang="ko-Kore-KR" altLang="en-US" sz="1800" dirty="0">
-              <a:solidFill>
-                <a:schemeClr val="tx1"/>
-              </a:solidFill>
-              <a:latin typeface="Calibri" panose="020F0502020204030204" pitchFamily="34" charset="0"/>
-              <a:cs typeface="Calibri" panose="020F0502020204030204" pitchFamily="34" charset="0"/>
-            </a:endParaRPr>
-          </a:p>
-        </p:txBody>
-      </p:sp>
-      <p:sp>
-        <p:nvSpPr>
-          <p:cNvPr id="115" name="직사각형 114">
-            <a:extLst>
-              <a:ext uri="{FF2B5EF4-FFF2-40B4-BE49-F238E27FC236}">
-                <a16:creationId xmlns:a16="http://schemas.microsoft.com/office/drawing/2014/main" id="{3B73E9E6-9E8E-E1EB-7458-CBB17FCE5893}"/>
-              </a:ext>
-            </a:extLst>
-          </p:cNvPr>
-          <p:cNvSpPr/>
-          <p:nvPr/>
-        </p:nvSpPr>
-        <p:spPr>
-          <a:xfrm>
-            <a:off x="3621247" y="2934895"/>
-            <a:ext cx="972000" cy="972000"/>
-          </a:xfrm>
-          <a:prstGeom prst="rect">
-            <a:avLst/>
-          </a:prstGeom>
-          <a:noFill/>
-          <a:ln w="19050">
-            <a:solidFill>
-              <a:schemeClr val="tx1"/>
-            </a:solidFill>
-          </a:ln>
-        </p:spPr>
-        <p:style>
-          <a:lnRef idx="2">
-            <a:schemeClr val="accent1">
-              <a:shade val="15000"/>
-            </a:schemeClr>
-          </a:lnRef>
-          <a:fillRef idx="1">
-            <a:schemeClr val="accent1"/>
-          </a:fillRef>
-          <a:effectRef idx="0">
-            <a:schemeClr val="accent1"/>
-          </a:effectRef>
-          <a:fontRef idx="minor">
-            <a:schemeClr val="lt1"/>
-          </a:fontRef>
-        </p:style>
-        <p:txBody>
-          <a:bodyPr rtlCol="0" anchor="ctr"/>
-          <a:lstStyle/>
-          <a:p>
-            <a:pPr algn="ctr"/>
-            <a:r>
-              <a:rPr kumimoji="1" lang="en-US" altLang="ko-Kore-KR" sz="1800" dirty="0">
-                <a:solidFill>
-                  <a:schemeClr val="tx1"/>
-                </a:solidFill>
-                <a:latin typeface="Calibri" panose="020F0502020204030204" pitchFamily="34" charset="0"/>
-                <a:ea typeface="Source Sans Pro" panose="020B0503030403020204" pitchFamily="34" charset="0"/>
-                <a:cs typeface="Calibri" panose="020F0502020204030204" pitchFamily="34" charset="0"/>
-              </a:rPr>
-              <a:t>Encoder</a:t>
-            </a:r>
-          </a:p>
-          <a:p>
-            <a:pPr algn="ctr"/>
-            <a:endParaRPr kumimoji="1" lang="ko-Kore-KR" altLang="en-US" sz="1800" dirty="0">
-              <a:solidFill>
-                <a:schemeClr val="tx1"/>
-              </a:solidFill>
-              <a:latin typeface="Calibri" panose="020F0502020204030204" pitchFamily="34" charset="0"/>
-              <a:cs typeface="Calibri" panose="020F0502020204030204" pitchFamily="34" charset="0"/>
-            </a:endParaRPr>
-          </a:p>
-        </p:txBody>
-      </p:sp>
-      <p:pic>
-        <p:nvPicPr>
-          <p:cNvPr id="116" name="그림 115">
-            <a:extLst>
-              <a:ext uri="{FF2B5EF4-FFF2-40B4-BE49-F238E27FC236}">
-                <a16:creationId xmlns:a16="http://schemas.microsoft.com/office/drawing/2014/main" id="{ED46CB78-04D6-1228-6EA1-ADC68B4A06C2}"/>
-              </a:ext>
-            </a:extLst>
-          </p:cNvPr>
-          <p:cNvPicPr>
-            <a:picLocks noChangeAspect="1"/>
-          </p:cNvPicPr>
-          <p:nvPr/>
-        </p:nvPicPr>
-        <p:blipFill>
-          <a:blip r:embed="rId5"/>
-          <a:stretch>
-            <a:fillRect/>
-          </a:stretch>
-        </p:blipFill>
-        <p:spPr>
-          <a:xfrm>
-            <a:off x="4064580" y="3457105"/>
-            <a:ext cx="85333" cy="144000"/>
-          </a:xfrm>
-          <a:prstGeom prst="rect">
-            <a:avLst/>
-          </a:prstGeom>
-        </p:spPr>
-      </p:pic>
-      <p:sp>
-        <p:nvSpPr>
-          <p:cNvPr id="117" name="TextBox 116">
-            <a:extLst>
-              <a:ext uri="{FF2B5EF4-FFF2-40B4-BE49-F238E27FC236}">
-                <a16:creationId xmlns:a16="http://schemas.microsoft.com/office/drawing/2014/main" id="{524563A2-2AEA-7F38-4DC4-72D7837DCEFC}"/>
-              </a:ext>
-            </a:extLst>
-          </p:cNvPr>
-          <p:cNvSpPr txBox="1"/>
-          <p:nvPr/>
-        </p:nvSpPr>
-        <p:spPr>
-          <a:xfrm>
-            <a:off x="4878035" y="2657896"/>
-            <a:ext cx="997843" cy="646331"/>
-          </a:xfrm>
-          <a:prstGeom prst="rect">
-            <a:avLst/>
-          </a:prstGeom>
-          <a:noFill/>
-        </p:spPr>
-        <p:txBody>
-          <a:bodyPr wrap="square">
-            <a:spAutoFit/>
-          </a:bodyPr>
-          <a:lstStyle/>
-          <a:p>
-            <a:pPr algn="ctr"/>
-            <a:r>
-              <a:rPr kumimoji="1" lang="en-US" altLang="ko-Kore-KR" sz="1800" dirty="0">
-                <a:solidFill>
-                  <a:schemeClr val="tx1"/>
-                </a:solidFill>
-                <a:latin typeface="Calibri" panose="020F0502020204030204" pitchFamily="34" charset="0"/>
-                <a:ea typeface="Source Sans Pro" panose="020B0503030403020204" pitchFamily="34" charset="0"/>
-                <a:cs typeface="Calibri" panose="020F0502020204030204" pitchFamily="34" charset="0"/>
-              </a:rPr>
-              <a:t>Policy</a:t>
-            </a:r>
-          </a:p>
-          <a:p>
-            <a:pPr algn="ctr"/>
-            <a:endParaRPr lang="ko-Kore-KR" altLang="en-US" sz="1800" dirty="0">
-              <a:latin typeface="Calibri" panose="020F0502020204030204" pitchFamily="34" charset="0"/>
-              <a:cs typeface="Calibri" panose="020F0502020204030204" pitchFamily="34" charset="0"/>
-            </a:endParaRPr>
-          </a:p>
-        </p:txBody>
-      </p:sp>
-      <p:pic>
-        <p:nvPicPr>
-          <p:cNvPr id="118" name="그림 117">
-            <a:extLst>
-              <a:ext uri="{FF2B5EF4-FFF2-40B4-BE49-F238E27FC236}">
-                <a16:creationId xmlns:a16="http://schemas.microsoft.com/office/drawing/2014/main" id="{6FE200BA-D280-8CC3-1208-40103B657C2F}"/>
-              </a:ext>
-            </a:extLst>
-          </p:cNvPr>
-          <p:cNvPicPr>
-            <a:picLocks noChangeAspect="1"/>
-          </p:cNvPicPr>
-          <p:nvPr/>
-        </p:nvPicPr>
-        <p:blipFill>
-          <a:blip r:embed="rId6"/>
-          <a:stretch>
-            <a:fillRect/>
-          </a:stretch>
-        </p:blipFill>
-        <p:spPr>
-          <a:xfrm>
-            <a:off x="4950037" y="2977645"/>
-            <a:ext cx="900000" cy="220531"/>
-          </a:xfrm>
-          <a:prstGeom prst="rect">
-            <a:avLst/>
-          </a:prstGeom>
-        </p:spPr>
-      </p:pic>
-      <p:cxnSp>
-        <p:nvCxnSpPr>
-          <p:cNvPr id="119" name="직선 화살표 연결선 118">
-            <a:extLst>
-              <a:ext uri="{FF2B5EF4-FFF2-40B4-BE49-F238E27FC236}">
-                <a16:creationId xmlns:a16="http://schemas.microsoft.com/office/drawing/2014/main" id="{4659420C-23A8-70C7-A11E-A927098AF9D6}"/>
-              </a:ext>
-            </a:extLst>
-          </p:cNvPr>
-          <p:cNvCxnSpPr>
-            <a:cxnSpLocks/>
-            <a:stCxn id="115" idx="3"/>
-            <a:endCxn id="117" idx="1"/>
-          </p:cNvCxnSpPr>
-          <p:nvPr/>
-        </p:nvCxnSpPr>
-        <p:spPr>
-          <a:xfrm flipV="1">
-            <a:off x="4593247" y="2981062"/>
-            <a:ext cx="284788" cy="439833"/>
-          </a:xfrm>
-          <a:prstGeom prst="straightConnector1">
-            <a:avLst/>
-          </a:prstGeom>
-          <a:ln w="19050">
-            <a:solidFill>
-              <a:schemeClr val="tx1"/>
-            </a:solidFill>
-            <a:tailEnd type="triangle"/>
-          </a:ln>
-        </p:spPr>
-        <p:style>
-          <a:lnRef idx="1">
-            <a:schemeClr val="accent1"/>
-          </a:lnRef>
-          <a:fillRef idx="0">
-            <a:schemeClr val="accent1"/>
-          </a:fillRef>
-          <a:effectRef idx="0">
-            <a:schemeClr val="accent1"/>
-          </a:effectRef>
-          <a:fontRef idx="minor">
-            <a:schemeClr val="tx1"/>
-          </a:fontRef>
-        </p:style>
-      </p:cxnSp>
-      <p:sp>
-        <p:nvSpPr>
-          <p:cNvPr id="120" name="TextBox 119">
-            <a:extLst>
-              <a:ext uri="{FF2B5EF4-FFF2-40B4-BE49-F238E27FC236}">
-                <a16:creationId xmlns:a16="http://schemas.microsoft.com/office/drawing/2014/main" id="{F0623EE3-40B9-D24E-AEF5-E94F114EC4C4}"/>
-              </a:ext>
-            </a:extLst>
-          </p:cNvPr>
-          <p:cNvSpPr txBox="1"/>
-          <p:nvPr/>
-        </p:nvSpPr>
-        <p:spPr>
-          <a:xfrm>
-            <a:off x="4878036" y="3629896"/>
-            <a:ext cx="997843" cy="646331"/>
-          </a:xfrm>
-          <a:prstGeom prst="rect">
-            <a:avLst/>
-          </a:prstGeom>
-          <a:noFill/>
-        </p:spPr>
-        <p:txBody>
-          <a:bodyPr wrap="square">
-            <a:spAutoFit/>
-          </a:bodyPr>
-          <a:lstStyle/>
-          <a:p>
-            <a:pPr algn="ctr"/>
-            <a:r>
-              <a:rPr kumimoji="1" lang="en-US" altLang="ko-Kore-KR" sz="1800" dirty="0">
-                <a:solidFill>
-                  <a:schemeClr val="tx1"/>
-                </a:solidFill>
-                <a:latin typeface="Calibri" panose="020F0502020204030204" pitchFamily="34" charset="0"/>
-                <a:ea typeface="Source Sans Pro" panose="020B0503030403020204" pitchFamily="34" charset="0"/>
-                <a:cs typeface="Calibri" panose="020F0502020204030204" pitchFamily="34" charset="0"/>
-              </a:rPr>
-              <a:t>Value</a:t>
-            </a:r>
-          </a:p>
-          <a:p>
-            <a:pPr algn="ctr"/>
-            <a:endParaRPr lang="ko-Kore-KR" altLang="en-US" sz="1800" dirty="0">
-              <a:solidFill>
-                <a:schemeClr val="tx1">
-                  <a:alpha val="20000"/>
-                </a:schemeClr>
-              </a:solidFill>
-              <a:latin typeface="Calibri" panose="020F0502020204030204" pitchFamily="34" charset="0"/>
-              <a:cs typeface="Calibri" panose="020F0502020204030204" pitchFamily="34" charset="0"/>
-            </a:endParaRPr>
-          </a:p>
-        </p:txBody>
-      </p:sp>
-      <p:pic>
-        <p:nvPicPr>
-          <p:cNvPr id="121" name="그림 120">
-            <a:extLst>
-              <a:ext uri="{FF2B5EF4-FFF2-40B4-BE49-F238E27FC236}">
-                <a16:creationId xmlns:a16="http://schemas.microsoft.com/office/drawing/2014/main" id="{24EB9AF0-CF11-366C-5C87-A8733F7632E5}"/>
-              </a:ext>
-            </a:extLst>
-          </p:cNvPr>
-          <p:cNvPicPr>
-            <a:picLocks noChangeAspect="1"/>
-          </p:cNvPicPr>
-          <p:nvPr/>
-        </p:nvPicPr>
-        <p:blipFill>
-          <a:blip r:embed="rId7">
-            <a:alphaModFix/>
-          </a:blip>
-          <a:stretch>
-            <a:fillRect/>
-          </a:stretch>
-        </p:blipFill>
-        <p:spPr>
-          <a:xfrm>
-            <a:off x="5127388" y="3942261"/>
-            <a:ext cx="499135" cy="205200"/>
-          </a:xfrm>
-          <a:prstGeom prst="rect">
-            <a:avLst/>
-          </a:prstGeom>
-        </p:spPr>
-      </p:pic>
-      <p:cxnSp>
-        <p:nvCxnSpPr>
-          <p:cNvPr id="122" name="직선 화살표 연결선 121">
-            <a:extLst>
-              <a:ext uri="{FF2B5EF4-FFF2-40B4-BE49-F238E27FC236}">
-                <a16:creationId xmlns:a16="http://schemas.microsoft.com/office/drawing/2014/main" id="{111A72F3-2C4F-F86C-20A0-4791BB5DA733}"/>
-              </a:ext>
-            </a:extLst>
-          </p:cNvPr>
-          <p:cNvCxnSpPr>
-            <a:cxnSpLocks/>
-            <a:stCxn id="115" idx="3"/>
-            <a:endCxn id="120" idx="1"/>
-          </p:cNvCxnSpPr>
-          <p:nvPr/>
-        </p:nvCxnSpPr>
-        <p:spPr>
-          <a:xfrm>
-            <a:off x="4593247" y="3420895"/>
-            <a:ext cx="284789" cy="532167"/>
-          </a:xfrm>
-          <a:prstGeom prst="straightConnector1">
-            <a:avLst/>
-          </a:prstGeom>
-          <a:ln w="19050">
-            <a:solidFill>
-              <a:schemeClr val="tx1"/>
-            </a:solidFill>
-            <a:tailEnd type="triangle"/>
-          </a:ln>
-        </p:spPr>
-        <p:style>
-          <a:lnRef idx="1">
-            <a:schemeClr val="accent1"/>
-          </a:lnRef>
-          <a:fillRef idx="0">
-            <a:schemeClr val="accent1"/>
-          </a:fillRef>
-          <a:effectRef idx="0">
-            <a:schemeClr val="accent1"/>
-          </a:effectRef>
-          <a:fontRef idx="minor">
-            <a:schemeClr val="tx1"/>
-          </a:fontRef>
-        </p:style>
-      </p:cxnSp>
-      <p:cxnSp>
-        <p:nvCxnSpPr>
-          <p:cNvPr id="123" name="직선 화살표 연결선 122">
-            <a:extLst>
-              <a:ext uri="{FF2B5EF4-FFF2-40B4-BE49-F238E27FC236}">
-                <a16:creationId xmlns:a16="http://schemas.microsoft.com/office/drawing/2014/main" id="{CBA3C5C3-B8EF-79E9-A246-61AF1C491CAF}"/>
-              </a:ext>
-            </a:extLst>
-          </p:cNvPr>
-          <p:cNvCxnSpPr>
-            <a:cxnSpLocks/>
-            <a:stCxn id="124" idx="3"/>
-            <a:endCxn id="115" idx="1"/>
-          </p:cNvCxnSpPr>
-          <p:nvPr/>
-        </p:nvCxnSpPr>
-        <p:spPr>
-          <a:xfrm>
-            <a:off x="3330128" y="3420816"/>
-            <a:ext cx="291119" cy="79"/>
-          </a:xfrm>
-          <a:prstGeom prst="straightConnector1">
-            <a:avLst/>
-          </a:prstGeom>
-          <a:ln w="19050">
-            <a:solidFill>
-              <a:schemeClr val="tx1"/>
-            </a:solidFill>
-            <a:tailEnd type="triangle"/>
-          </a:ln>
-        </p:spPr>
-        <p:style>
-          <a:lnRef idx="1">
-            <a:schemeClr val="accent1"/>
-          </a:lnRef>
-          <a:fillRef idx="0">
-            <a:schemeClr val="accent1"/>
-          </a:fillRef>
-          <a:effectRef idx="0">
-            <a:schemeClr val="accent1"/>
-          </a:effectRef>
-          <a:fontRef idx="minor">
-            <a:schemeClr val="tx1"/>
-          </a:fontRef>
-        </p:style>
-      </p:cxnSp>
-      <p:sp>
-        <p:nvSpPr>
-          <p:cNvPr id="124" name="TextBox 123">
-            <a:extLst>
-              <a:ext uri="{FF2B5EF4-FFF2-40B4-BE49-F238E27FC236}">
-                <a16:creationId xmlns:a16="http://schemas.microsoft.com/office/drawing/2014/main" id="{2084A08F-C078-58F8-26C8-854892BA3545}"/>
-              </a:ext>
-            </a:extLst>
-          </p:cNvPr>
-          <p:cNvSpPr txBox="1"/>
-          <p:nvPr/>
-        </p:nvSpPr>
-        <p:spPr>
-          <a:xfrm>
-            <a:off x="2664142" y="3097650"/>
-            <a:ext cx="665986" cy="646331"/>
-          </a:xfrm>
-          <a:prstGeom prst="rect">
-            <a:avLst/>
-          </a:prstGeom>
-          <a:noFill/>
-        </p:spPr>
-        <p:txBody>
-          <a:bodyPr wrap="square">
-            <a:spAutoFit/>
-          </a:bodyPr>
-          <a:lstStyle/>
-          <a:p>
-            <a:pPr algn="ctr"/>
-            <a:r>
-              <a:rPr kumimoji="1" lang="en-US" altLang="ko-Kore-KR" sz="1800" dirty="0">
-                <a:solidFill>
-                  <a:schemeClr val="tx1"/>
-                </a:solidFill>
-                <a:latin typeface="Calibri" panose="020F0502020204030204" pitchFamily="34" charset="0"/>
-                <a:ea typeface="Source Sans Pro" panose="020B0503030403020204" pitchFamily="34" charset="0"/>
-                <a:cs typeface="Calibri" panose="020F0502020204030204" pitchFamily="34" charset="0"/>
-              </a:rPr>
-              <a:t>State</a:t>
-            </a:r>
-          </a:p>
-          <a:p>
-            <a:pPr algn="ctr"/>
-            <a:endParaRPr lang="ko-Kore-KR" altLang="en-US" sz="1800" dirty="0">
-              <a:latin typeface="Calibri" panose="020F0502020204030204" pitchFamily="34" charset="0"/>
-              <a:cs typeface="Calibri" panose="020F0502020204030204" pitchFamily="34" charset="0"/>
-            </a:endParaRPr>
-          </a:p>
-        </p:txBody>
-      </p:sp>
-      <p:pic>
-        <p:nvPicPr>
-          <p:cNvPr id="125" name="그림 124">
-            <a:extLst>
-              <a:ext uri="{FF2B5EF4-FFF2-40B4-BE49-F238E27FC236}">
-                <a16:creationId xmlns:a16="http://schemas.microsoft.com/office/drawing/2014/main" id="{A64DB605-19C2-4E11-C3AD-27AB0FF2CE24}"/>
-              </a:ext>
-            </a:extLst>
-          </p:cNvPr>
-          <p:cNvPicPr>
-            <a:picLocks noChangeAspect="1"/>
-          </p:cNvPicPr>
-          <p:nvPr/>
-        </p:nvPicPr>
-        <p:blipFill>
-          <a:blip r:embed="rId8"/>
-          <a:stretch>
-            <a:fillRect/>
-          </a:stretch>
-        </p:blipFill>
-        <p:spPr>
-          <a:xfrm>
-            <a:off x="2919083" y="3429857"/>
-            <a:ext cx="189626" cy="166871"/>
-          </a:xfrm>
-          <a:prstGeom prst="rect">
-            <a:avLst/>
-          </a:prstGeom>
-        </p:spPr>
-      </p:pic>
-      <p:sp>
-        <p:nvSpPr>
-          <p:cNvPr id="7" name="직사각형 6">
-            <a:extLst>
-              <a:ext uri="{FF2B5EF4-FFF2-40B4-BE49-F238E27FC236}">
-                <a16:creationId xmlns:a16="http://schemas.microsoft.com/office/drawing/2014/main" id="{143471F6-232D-D8A1-E00F-F5DAA29C498C}"/>
-              </a:ext>
-            </a:extLst>
-          </p:cNvPr>
-          <p:cNvSpPr/>
-          <p:nvPr/>
-        </p:nvSpPr>
-        <p:spPr>
-          <a:xfrm>
-            <a:off x="0" y="80713"/>
-            <a:ext cx="6480175" cy="2442749"/>
-          </a:xfrm>
-          <a:prstGeom prst="rect">
-            <a:avLst/>
-          </a:prstGeom>
-          <a:solidFill>
-            <a:schemeClr val="bg1">
-              <a:alpha val="80000"/>
-            </a:schemeClr>
-          </a:solidFill>
-          <a:ln>
-            <a:noFill/>
-          </a:ln>
-        </p:spPr>
-        <p:style>
-          <a:lnRef idx="2">
-            <a:schemeClr val="accent1">
-              <a:shade val="15000"/>
-            </a:schemeClr>
-          </a:lnRef>
-          <a:fillRef idx="1">
-            <a:schemeClr val="accent1"/>
-          </a:fillRef>
-          <a:effectRef idx="0">
-            <a:schemeClr val="accent1"/>
-          </a:effectRef>
-          <a:fontRef idx="minor">
-            <a:schemeClr val="lt1"/>
-          </a:fontRef>
-        </p:style>
-        <p:txBody>
-          <a:bodyPr rtlCol="0" anchor="ctr"/>
-          <a:lstStyle/>
-          <a:p>
-            <a:pPr algn="ctr"/>
-            <a:endParaRPr kumimoji="1" lang="ko-Kore-KR" altLang="en-US" dirty="0">
-              <a:latin typeface="Calibri" panose="020F0502020204030204" pitchFamily="34" charset="0"/>
-              <a:cs typeface="Calibri" panose="020F0502020204030204" pitchFamily="34" charset="0"/>
-            </a:endParaRPr>
-          </a:p>
-        </p:txBody>
-      </p:sp>
-      <p:pic>
-        <p:nvPicPr>
-          <p:cNvPr id="8" name="그림 7">
-            <a:extLst>
-              <a:ext uri="{FF2B5EF4-FFF2-40B4-BE49-F238E27FC236}">
-                <a16:creationId xmlns:a16="http://schemas.microsoft.com/office/drawing/2014/main" id="{E0ADFA82-892B-DC95-4786-C1FDAE8B2EAB}"/>
-              </a:ext>
-            </a:extLst>
-          </p:cNvPr>
-          <p:cNvPicPr>
-            <a:picLocks noChangeAspect="1"/>
-          </p:cNvPicPr>
-          <p:nvPr/>
-        </p:nvPicPr>
-        <p:blipFill>
-          <a:blip r:embed="rId12"/>
-          <a:stretch>
-            <a:fillRect/>
-          </a:stretch>
-        </p:blipFill>
-        <p:spPr>
-          <a:xfrm>
-            <a:off x="5970690" y="3810260"/>
-            <a:ext cx="449222" cy="193270"/>
-          </a:xfrm>
-          <a:prstGeom prst="rect">
-            <a:avLst/>
-          </a:prstGeom>
-        </p:spPr>
-      </p:pic>
-      <p:pic>
-        <p:nvPicPr>
-          <p:cNvPr id="10" name="그림 9">
-            <a:extLst>
-              <a:ext uri="{FF2B5EF4-FFF2-40B4-BE49-F238E27FC236}">
-                <a16:creationId xmlns:a16="http://schemas.microsoft.com/office/drawing/2014/main" id="{0EA4507C-FD7C-9E20-6CAD-47C9BB75F447}"/>
-              </a:ext>
-            </a:extLst>
-          </p:cNvPr>
-          <p:cNvPicPr>
-            <a:picLocks noChangeAspect="1"/>
-          </p:cNvPicPr>
-          <p:nvPr/>
-        </p:nvPicPr>
-        <p:blipFill>
-          <a:blip r:embed="rId13"/>
-          <a:stretch>
-            <a:fillRect/>
-          </a:stretch>
-        </p:blipFill>
-        <p:spPr>
-          <a:xfrm>
-            <a:off x="5949610" y="2832706"/>
-            <a:ext cx="480564" cy="204378"/>
-          </a:xfrm>
-          <a:prstGeom prst="rect">
-            <a:avLst/>
-          </a:prstGeom>
-        </p:spPr>
-      </p:pic>
-      <p:sp>
-        <p:nvSpPr>
-          <p:cNvPr id="4" name="직사각형 3">
-            <a:extLst>
-              <a:ext uri="{FF2B5EF4-FFF2-40B4-BE49-F238E27FC236}">
-                <a16:creationId xmlns:a16="http://schemas.microsoft.com/office/drawing/2014/main" id="{206D652C-B38F-11DA-2A8D-A687C7BFABB6}"/>
-              </a:ext>
-            </a:extLst>
-          </p:cNvPr>
-          <p:cNvSpPr/>
-          <p:nvPr/>
-        </p:nvSpPr>
-        <p:spPr>
-          <a:xfrm>
-            <a:off x="2509755" y="2575316"/>
-            <a:ext cx="3970420" cy="1690998"/>
-          </a:xfrm>
-          <a:prstGeom prst="rect">
-            <a:avLst/>
-          </a:prstGeom>
-          <a:solidFill>
-            <a:schemeClr val="bg1">
-              <a:alpha val="80000"/>
-            </a:schemeClr>
-          </a:solidFill>
-          <a:ln>
-            <a:noFill/>
-          </a:ln>
-        </p:spPr>
-        <p:style>
-          <a:lnRef idx="2">
-            <a:schemeClr val="accent1">
-              <a:shade val="15000"/>
-            </a:schemeClr>
-          </a:lnRef>
-          <a:fillRef idx="1">
-            <a:schemeClr val="accent1"/>
-          </a:fillRef>
-          <a:effectRef idx="0">
-            <a:schemeClr val="accent1"/>
-          </a:effectRef>
-          <a:fontRef idx="minor">
-            <a:schemeClr val="lt1"/>
-          </a:fontRef>
-        </p:style>
-        <p:txBody>
-          <a:bodyPr rtlCol="0" anchor="ctr"/>
-          <a:lstStyle/>
-          <a:p>
-            <a:pPr algn="ctr"/>
-            <a:endParaRPr kumimoji="1" lang="ko-Kore-KR" altLang="en-US" dirty="0">
-              <a:latin typeface="Calibri" panose="020F0502020204030204" pitchFamily="34" charset="0"/>
-              <a:cs typeface="Calibri" panose="020F0502020204030204" pitchFamily="34" charset="0"/>
-            </a:endParaRPr>
-          </a:p>
-        </p:txBody>
-      </p:sp>
-    </p:spTree>
-    <p:extLst>
-      <p:ext uri="{BB962C8B-B14F-4D97-AF65-F5344CB8AC3E}">
-        <p14:creationId xmlns:p14="http://schemas.microsoft.com/office/powerpoint/2010/main" val="1643849473"/>
-      </p:ext>
-    </p:extLst>
-  </p:cSld>
-  <p:clrMapOvr>
-    <a:masterClrMapping/>
-  </p:clrMapOvr>
-</p:sld>
-</file>
-
 <file path=ppt/slides/slide2.xml><?xml version="1.0" encoding="utf-8"?>
 <p:sld xmlns:a="http://schemas.openxmlformats.org/drawingml/2006/main" xmlns:r="http://schemas.openxmlformats.org/officeDocument/2006/relationships" xmlns:p="http://schemas.openxmlformats.org/presentationml/2006/main">
   <p:cSld>
@@ -24312,7 +22499,7 @@
             <a:avLst/>
           </a:prstGeom>
           <a:noFill/>
-          <a:ln>
+          <a:ln w="19050">
             <a:solidFill>
               <a:schemeClr val="bg1">
                 <a:alpha val="20000"/>
@@ -26122,7 +24309,7 @@
             <a:avLst/>
           </a:prstGeom>
           <a:noFill/>
-          <a:ln>
+          <a:ln w="19050">
             <a:solidFill>
               <a:schemeClr val="bg1"/>
             </a:solidFill>
@@ -27928,7 +26115,7 @@
             <a:avLst/>
           </a:prstGeom>
           <a:noFill/>
-          <a:ln>
+          <a:ln w="19050">
             <a:solidFill>
               <a:schemeClr val="bg1">
                 <a:alpha val="20000"/>
@@ -29289,7 +27476,7 @@
             <a:avLst/>
           </a:prstGeom>
           <a:noFill/>
-          <a:ln>
+          <a:ln w="19050">
             <a:solidFill>
               <a:schemeClr val="bg1">
                 <a:alpha val="20000"/>
@@ -31385,7 +29572,7 @@
             <a:avLst/>
           </a:prstGeom>
           <a:noFill/>
-          <a:ln>
+          <a:ln w="19050">
             <a:solidFill>
               <a:schemeClr val="bg1"/>
             </a:solidFill>
@@ -33133,7 +31320,7 @@
             <a:avLst/>
           </a:prstGeom>
           <a:noFill/>
-          <a:ln>
+          <a:ln w="19050">
             <a:solidFill>
               <a:schemeClr val="bg1">
                 <a:alpha val="20000"/>
@@ -35506,7 +33693,7 @@
             <a:avLst/>
           </a:prstGeom>
           <a:noFill/>
-          <a:ln>
+          <a:ln w="19050">
             <a:solidFill>
               <a:schemeClr val="bg1">
                 <a:alpha val="20000"/>
@@ -37316,7 +35503,7 @@
             <a:avLst/>
           </a:prstGeom>
           <a:noFill/>
-          <a:ln>
+          <a:ln w="19050">
             <a:solidFill>
               <a:schemeClr val="bg1"/>
             </a:solidFill>
